--- a/docs/Storyboard.pptx
+++ b/docs/Storyboard.pptx
@@ -4031,7 +4031,7 @@
         <p:spPr>
           <a:xfrm>
             <a:off x="358815" y="862314"/>
-            <a:ext cx="3316147" cy="1754326"/>
+            <a:ext cx="3316147" cy="5632311"/>
           </a:xfrm>
           <a:prstGeom prst="rect">
             <a:avLst/>
@@ -4057,6 +4057,47 @@
               <a:rPr lang="en-CA" dirty="0"/>
               <a:t>We will not allow the rider to cancel after then have confirmed the driver.</a:t>
             </a:r>
+          </a:p>
+          <a:p>
+            <a:endParaRPr lang="en-CA" dirty="0"/>
+          </a:p>
+          <a:p>
+            <a:endParaRPr lang="en-CA" dirty="0"/>
+          </a:p>
+          <a:p>
+            <a:endParaRPr lang="en-CA" dirty="0"/>
+          </a:p>
+          <a:p>
+            <a:endParaRPr lang="en-CA" dirty="0"/>
+          </a:p>
+          <a:p>
+            <a:endParaRPr lang="en-CA" dirty="0"/>
+          </a:p>
+          <a:p>
+            <a:endParaRPr lang="en-CA" dirty="0"/>
+          </a:p>
+          <a:p>
+            <a:endParaRPr lang="en-CA" dirty="0"/>
+          </a:p>
+          <a:p>
+            <a:endParaRPr lang="en-CA" dirty="0"/>
+          </a:p>
+          <a:p>
+            <a:endParaRPr lang="en-CA" dirty="0"/>
+          </a:p>
+          <a:p>
+            <a:endParaRPr lang="en-CA" dirty="0"/>
+          </a:p>
+          <a:p>
+            <a:r>
+              <a:rPr lang="en-CA" dirty="0"/>
+              <a:t>We will only allow the driver to pay if the ride has been completed and they are at </a:t>
+            </a:r>
+            <a:r>
+              <a:rPr lang="en-CA"/>
+              <a:t>their destination.</a:t>
+            </a:r>
+            <a:endParaRPr lang="en-CA" dirty="0"/>
           </a:p>
         </p:txBody>
       </p:sp>
@@ -4570,6 +4611,69 @@
           </a:extLst>
         </p:spPr>
       </p:pic>
+      <p:sp>
+        <p:nvSpPr>
+          <p:cNvPr id="4" name="TextBox 3"/>
+          <p:cNvSpPr txBox="1"/>
+          <p:nvPr/>
+        </p:nvSpPr>
+        <p:spPr>
+          <a:xfrm>
+            <a:off x="5098643" y="3171463"/>
+            <a:ext cx="1875099" cy="369332"/>
+          </a:xfrm>
+          <a:prstGeom prst="rect">
+            <a:avLst/>
+          </a:prstGeom>
+          <a:solidFill>
+            <a:srgbClr val="00FFCC"/>
+          </a:solidFill>
+        </p:spPr>
+        <p:txBody>
+          <a:bodyPr wrap="square" rtlCol="0">
+            <a:spAutoFit/>
+          </a:bodyPr>
+          <a:lstStyle/>
+          <a:p>
+            <a:r>
+              <a:rPr lang="en-CA" dirty="0" err="1"/>
+              <a:t>xxxxxxx</a:t>
+            </a:r>
+            <a:endParaRPr lang="en-CA" dirty="0"/>
+          </a:p>
+        </p:txBody>
+      </p:sp>
+      <p:sp>
+        <p:nvSpPr>
+          <p:cNvPr id="5" name="TextBox 4"/>
+          <p:cNvSpPr txBox="1"/>
+          <p:nvPr/>
+        </p:nvSpPr>
+        <p:spPr>
+          <a:xfrm>
+            <a:off x="5098644" y="2693043"/>
+            <a:ext cx="1875099" cy="369332"/>
+          </a:xfrm>
+          <a:prstGeom prst="rect">
+            <a:avLst/>
+          </a:prstGeom>
+          <a:solidFill>
+            <a:srgbClr val="00FFCC"/>
+          </a:solidFill>
+        </p:spPr>
+        <p:txBody>
+          <a:bodyPr wrap="square" rtlCol="0">
+            <a:spAutoFit/>
+          </a:bodyPr>
+          <a:lstStyle/>
+          <a:p>
+            <a:r>
+              <a:rPr lang="en-CA" dirty="0"/>
+              <a:t>bob</a:t>
+            </a:r>
+          </a:p>
+        </p:txBody>
+      </p:sp>
     </p:spTree>
     <p:extLst>
       <p:ext uri="{BB962C8B-B14F-4D97-AF65-F5344CB8AC3E}">
